--- a/Template final assessment - Task 2(1) (5).pptx
+++ b/Template final assessment - Task 2(1) (5).pptx
@@ -180,9 +180,39 @@
 <file path=ppt/revisionInfo.xml><?xml version="1.0" encoding="utf-8"?>
 <p1510:revInfo xmlns:a="http://schemas.openxmlformats.org/drawingml/2006/main" xmlns:r="http://schemas.openxmlformats.org/officeDocument/2006/relationships" xmlns:p1510="http://schemas.microsoft.com/office/powerpoint/2015/10/main">
   <p1510:revLst>
+    <p1510:client id="{012816B8-F045-43C6-884C-A3D0A4F28520}" v="1" dt="2022-12-05T12:23:03.228"/>
     <p1510:client id="{EBE8C954-0BF8-4DF2-AC50-2A3815752907}" v="1" dt="2022-12-05T11:58:22.350"/>
   </p1510:revLst>
 </p1510:revInfo>
+</file>
+
+<file path=ppt/changesInfos/changesInfo1.xml><?xml version="1.0" encoding="utf-8"?>
+<pc:chgInfo xmlns:a="http://schemas.openxmlformats.org/drawingml/2006/main" xmlns:r="http://schemas.openxmlformats.org/officeDocument/2006/relationships" xmlns:ac="http://schemas.microsoft.com/office/drawing/2013/main/command" xmlns:pc="http://schemas.microsoft.com/office/powerpoint/2013/main/command">
+  <pc:docChgLst>
+    <pc:chgData name="Khush Shah" userId="cda601f7-112b-46e1-be18-ffe8de22ac2a" providerId="ADAL" clId="{012816B8-F045-43C6-884C-A3D0A4F28520}"/>
+    <pc:docChg chg="custSel modSld">
+      <pc:chgData name="Khush Shah" userId="cda601f7-112b-46e1-be18-ffe8de22ac2a" providerId="ADAL" clId="{012816B8-F045-43C6-884C-A3D0A4F28520}" dt="2022-12-05T12:37:56.953" v="505" actId="20577"/>
+      <pc:docMkLst>
+        <pc:docMk/>
+      </pc:docMkLst>
+      <pc:sldChg chg="modSp mod">
+        <pc:chgData name="Khush Shah" userId="cda601f7-112b-46e1-be18-ffe8de22ac2a" providerId="ADAL" clId="{012816B8-F045-43C6-884C-A3D0A4F28520}" dt="2022-12-05T12:37:56.953" v="505" actId="20577"/>
+        <pc:sldMkLst>
+          <pc:docMk/>
+          <pc:sldMk cId="1360291546" sldId="265"/>
+        </pc:sldMkLst>
+        <pc:spChg chg="mod">
+          <ac:chgData name="Khush Shah" userId="cda601f7-112b-46e1-be18-ffe8de22ac2a" providerId="ADAL" clId="{012816B8-F045-43C6-884C-A3D0A4F28520}" dt="2022-12-05T12:37:56.953" v="505" actId="20577"/>
+          <ac:spMkLst>
+            <pc:docMk/>
+            <pc:sldMk cId="1360291546" sldId="265"/>
+            <ac:spMk id="3" creationId="{00000000-0000-0000-0000-000000000000}"/>
+          </ac:spMkLst>
+        </pc:spChg>
+      </pc:sldChg>
+    </pc:docChg>
+  </pc:docChgLst>
+</pc:chgInfo>
 </file>
 
 <file path=ppt/handoutMasters/handoutMaster1.xml><?xml version="1.0" encoding="utf-8"?>
@@ -3935,22 +3965,118 @@
             </a:r>
           </a:p>
           <a:p>
-            <a:endParaRPr lang="en-GB" dirty="0"/>
-          </a:p>
-          <a:p>
             <a:r>
               <a:rPr lang="en-GB" dirty="0"/>
               <a:t>We have controlled access to shared data using the various tasks and the paths you take. </a:t>
             </a:r>
           </a:p>
           <a:p>
-            <a:endParaRPr lang="en-GB" dirty="0"/>
-          </a:p>
-          <a:p>
             <a:r>
               <a:rPr lang="en-GB" dirty="0"/>
               <a:t>- bumpSwitch_status is a global variable and is being shared in the various tasks so that they are aware of the status.</a:t>
             </a:r>
+          </a:p>
+          <a:p>
+            <a:r>
+              <a:rPr lang="en-GB" dirty="0"/>
+              <a:t>We are using the dcMotor_response which uses the “status” returned from </a:t>
+            </a:r>
+            <a:r>
+              <a:rPr lang="en-GB" dirty="0" err="1"/>
+              <a:t>dcMotor.c</a:t>
+            </a:r>
+            <a:r>
+              <a:rPr lang="en-GB" dirty="0"/>
+              <a:t> which is the value returned once the robot has completed its path</a:t>
+            </a:r>
+          </a:p>
+          <a:p>
+            <a:r>
+              <a:rPr lang="en-GB"/>
+              <a:t>There </a:t>
+            </a:r>
+            <a:r>
+              <a:rPr lang="en-GB" dirty="0"/>
+              <a:t>are various tasks which have been declared and we use these when we want to perform an operation for example “</a:t>
+            </a:r>
+            <a:r>
+              <a:rPr lang="en-GB" b="0" i="0" dirty="0" err="1">
+                <a:solidFill>
+                  <a:srgbClr val="24292F"/>
+                </a:solidFill>
+                <a:effectLst/>
+                <a:latin typeface="ui-monospace"/>
+              </a:rPr>
+              <a:t>vTaskSuspend</a:t>
+            </a:r>
+            <a:r>
+              <a:rPr lang="en-GB" b="0" i="0" dirty="0">
+                <a:solidFill>
+                  <a:srgbClr val="24292F"/>
+                </a:solidFill>
+                <a:effectLst/>
+                <a:latin typeface="ui-monospace"/>
+              </a:rPr>
+              <a:t>(</a:t>
+            </a:r>
+            <a:r>
+              <a:rPr lang="en-GB" b="0" i="0" dirty="0" err="1">
+                <a:solidFill>
+                  <a:srgbClr val="24292F"/>
+                </a:solidFill>
+                <a:effectLst/>
+                <a:latin typeface="ui-monospace"/>
+              </a:rPr>
+              <a:t>taskHandle_PlaySong</a:t>
+            </a:r>
+            <a:r>
+              <a:rPr lang="en-GB" b="0" i="0" dirty="0">
+                <a:solidFill>
+                  <a:srgbClr val="24292F"/>
+                </a:solidFill>
+                <a:effectLst/>
+                <a:latin typeface="ui-monospace"/>
+              </a:rPr>
+              <a:t>)” and “</a:t>
+            </a:r>
+            <a:r>
+              <a:rPr lang="en-GB" b="0" i="0" dirty="0" err="1">
+                <a:effectLst/>
+                <a:latin typeface="ui-monospace"/>
+              </a:rPr>
+              <a:t>vTaskResume</a:t>
+            </a:r>
+            <a:r>
+              <a:rPr lang="en-GB" b="0" i="0" dirty="0">
+                <a:solidFill>
+                  <a:srgbClr val="24292F"/>
+                </a:solidFill>
+                <a:effectLst/>
+                <a:latin typeface="ui-monospace"/>
+              </a:rPr>
+              <a:t>(</a:t>
+            </a:r>
+            <a:r>
+              <a:rPr lang="en-GB" b="0" i="0" dirty="0" err="1">
+                <a:solidFill>
+                  <a:srgbClr val="24292F"/>
+                </a:solidFill>
+                <a:effectLst/>
+                <a:latin typeface="ui-monospace"/>
+              </a:rPr>
+              <a:t>taskHandle_PlaySong</a:t>
+            </a:r>
+            <a:r>
+              <a:rPr lang="en-GB" b="0" i="0" dirty="0">
+                <a:solidFill>
+                  <a:srgbClr val="24292F"/>
+                </a:solidFill>
+                <a:effectLst/>
+                <a:latin typeface="ui-monospace"/>
+              </a:rPr>
+              <a:t>)” </a:t>
+            </a:r>
+            <a:endParaRPr lang="en-GB" dirty="0"/>
           </a:p>
           <a:p>
             <a:endParaRPr lang="en-GB" dirty="0"/>
@@ -5072,18 +5198,18 @@
 </file>
 
 <file path=customXml/item1.xml><?xml version="1.0" encoding="utf-8"?>
-<p:properties xmlns:p="http://schemas.microsoft.com/office/2006/metadata/properties" xmlns:xsi="http://www.w3.org/2001/XMLSchema-instance" xmlns:pc="http://schemas.microsoft.com/office/infopath/2007/PartnerControls">
-  <documentManagement/>
-</p:properties>
-</file>
-
-<file path=customXml/item2.xml><?xml version="1.0" encoding="utf-8"?>
 <?mso-contentType ?>
 <FormTemplates xmlns="http://schemas.microsoft.com/sharepoint/v3/contenttype/forms">
   <Display>DocumentLibraryForm</Display>
   <Edit>DocumentLibraryForm</Edit>
   <New>DocumentLibraryForm</New>
 </FormTemplates>
+</file>
+
+<file path=customXml/item2.xml><?xml version="1.0" encoding="utf-8"?>
+<p:properties xmlns:p="http://schemas.microsoft.com/office/2006/metadata/properties" xmlns:xsi="http://www.w3.org/2001/XMLSchema-instance" xmlns:pc="http://schemas.microsoft.com/office/infopath/2007/PartnerControls">
+  <documentManagement/>
+</p:properties>
 </file>
 
 <file path=customXml/item3.xml><?xml version="1.0" encoding="utf-8"?>
@@ -5270,18 +5396,18 @@
 </file>
 
 <file path=customXml/itemProps1.xml><?xml version="1.0" encoding="utf-8"?>
-<ds:datastoreItem xmlns:ds="http://schemas.openxmlformats.org/officeDocument/2006/customXml" ds:itemID="{305B2934-E4CD-403C-9D05-A4710B6460D0}">
+<ds:datastoreItem xmlns:ds="http://schemas.openxmlformats.org/officeDocument/2006/customXml" ds:itemID="{63193CCD-6AD7-4753-9405-2074E943F663}">
   <ds:schemaRefs>
-    <ds:schemaRef ds:uri="http://schemas.microsoft.com/office/2006/metadata/properties"/>
-    <ds:schemaRef ds:uri="http://schemas.microsoft.com/office/infopath/2007/PartnerControls"/>
+    <ds:schemaRef ds:uri="http://schemas.microsoft.com/sharepoint/v3/contenttype/forms"/>
   </ds:schemaRefs>
 </ds:datastoreItem>
 </file>
 
 <file path=customXml/itemProps2.xml><?xml version="1.0" encoding="utf-8"?>
-<ds:datastoreItem xmlns:ds="http://schemas.openxmlformats.org/officeDocument/2006/customXml" ds:itemID="{63193CCD-6AD7-4753-9405-2074E943F663}">
+<ds:datastoreItem xmlns:ds="http://schemas.openxmlformats.org/officeDocument/2006/customXml" ds:itemID="{305B2934-E4CD-403C-9D05-A4710B6460D0}">
   <ds:schemaRefs>
-    <ds:schemaRef ds:uri="http://schemas.microsoft.com/sharepoint/v3/contenttype/forms"/>
+    <ds:schemaRef ds:uri="http://schemas.microsoft.com/office/2006/metadata/properties"/>
+    <ds:schemaRef ds:uri="http://schemas.microsoft.com/office/infopath/2007/PartnerControls"/>
   </ds:schemaRefs>
 </ds:datastoreItem>
 </file>
